--- a/extra/presentatie-Puurs.pptx
+++ b/extra/presentatie-Puurs.pptx
@@ -112,6 +112,11 @@
       </a:defRPr>
     </a:lvl9pPr>
   </p:defaultTextStyle>
+  <p:extLst>
+    <p:ext uri="{EFAFB233-063F-42B5-8137-9DF3F51BA10A}">
+      <p15:sldGuideLst xmlns:p15="http://schemas.microsoft.com/office/powerpoint/2012/main"/>
+    </p:ext>
+  </p:extLst>
 </p:presentation>
 </file>
 
@@ -210,7 +215,7 @@
           <a:effectLst/>
           <a:extLst>
             <a:ext uri="{91240B29-F687-4f45-9708-019B960494DF}">
-              <a14:hiddenLine xmlns:a14="http://schemas.microsoft.com/office/drawing/2010/main" xmlns="" w="9525">
+              <a14:hiddenLine xmlns="" xmlns:a14="http://schemas.microsoft.com/office/drawing/2010/main" w="9525">
                 <a:solidFill>
                   <a:srgbClr val="000000"/>
                 </a:solidFill>
@@ -1720,7 +1725,7 @@
           <a:ln/>
           <a:extLst>
             <a:ext uri="{91240B29-F687-4f45-9708-019B960494DF}">
-              <a14:hiddenLine xmlns:a14="http://schemas.microsoft.com/office/drawing/2010/main" xmlns="" w="9525">
+              <a14:hiddenLine xmlns="" xmlns:a14="http://schemas.microsoft.com/office/drawing/2010/main" w="9525">
                 <a:solidFill>
                   <a:srgbClr val="000000"/>
                 </a:solidFill>
@@ -1992,7 +1997,7 @@
           <a:ln/>
           <a:extLst>
             <a:ext uri="{91240B29-F687-4f45-9708-019B960494DF}">
-              <a14:hiddenLine xmlns:a14="http://schemas.microsoft.com/office/drawing/2010/main" xmlns="" w="9525">
+              <a14:hiddenLine xmlns="" xmlns:a14="http://schemas.microsoft.com/office/drawing/2010/main" w="9525">
                 <a:solidFill>
                   <a:srgbClr val="000000"/>
                 </a:solidFill>
@@ -2272,7 +2277,7 @@
           <a:ln/>
           <a:extLst>
             <a:ext uri="{91240B29-F687-4f45-9708-019B960494DF}">
-              <a14:hiddenLine xmlns:a14="http://schemas.microsoft.com/office/drawing/2010/main" xmlns="" w="9525">
+              <a14:hiddenLine xmlns="" xmlns:a14="http://schemas.microsoft.com/office/drawing/2010/main" w="9525">
                 <a:solidFill>
                   <a:srgbClr val="000000"/>
                 </a:solidFill>
@@ -2892,7 +2897,7 @@
           <a:ln/>
           <a:extLst>
             <a:ext uri="{91240B29-F687-4f45-9708-019B960494DF}">
-              <a14:hiddenLine xmlns:a14="http://schemas.microsoft.com/office/drawing/2010/main" xmlns="" w="9525">
+              <a14:hiddenLine xmlns="" xmlns:a14="http://schemas.microsoft.com/office/drawing/2010/main" w="9525">
                 <a:solidFill>
                   <a:srgbClr val="000000"/>
                 </a:solidFill>
@@ -3228,7 +3233,7 @@
           <a:ln/>
           <a:extLst>
             <a:ext uri="{91240B29-F687-4f45-9708-019B960494DF}">
-              <a14:hiddenLine xmlns:a14="http://schemas.microsoft.com/office/drawing/2010/main" xmlns="" w="9525">
+              <a14:hiddenLine xmlns="" xmlns:a14="http://schemas.microsoft.com/office/drawing/2010/main" w="9525">
                 <a:solidFill>
                   <a:srgbClr val="000000"/>
                 </a:solidFill>
@@ -3702,7 +3707,7 @@
           <a:ln/>
           <a:extLst>
             <a:ext uri="{91240B29-F687-4f45-9708-019B960494DF}">
-              <a14:hiddenLine xmlns:a14="http://schemas.microsoft.com/office/drawing/2010/main" xmlns="" w="9525">
+              <a14:hiddenLine xmlns="" xmlns:a14="http://schemas.microsoft.com/office/drawing/2010/main" w="9525">
                 <a:solidFill>
                   <a:srgbClr val="000000"/>
                 </a:solidFill>
@@ -4125,7 +4130,7 @@
           <a:ln/>
           <a:extLst>
             <a:ext uri="{91240B29-F687-4f45-9708-019B960494DF}">
-              <a14:hiddenLine xmlns:a14="http://schemas.microsoft.com/office/drawing/2010/main" xmlns="" w="9525">
+              <a14:hiddenLine xmlns="" xmlns:a14="http://schemas.microsoft.com/office/drawing/2010/main" w="9525">
                 <a:solidFill>
                   <a:srgbClr val="000000"/>
                 </a:solidFill>
@@ -5768,7 +5773,11 @@
           <a:bodyPr/>
           <a:lstStyle/>
           <a:p>
-            <a:endParaRPr lang="nl-NL"/>
+            <a:r>
+              <a:rPr lang="nl-NL" dirty="0" smtClean="0"/>
+              <a:t>Wij zijn ervan overtuigd dat er steeds ruimte is voor verbetering</a:t>
+            </a:r>
+            <a:endParaRPr lang="nl-NL" dirty="0"/>
           </a:p>
         </p:txBody>
       </p:sp>
@@ -5825,25 +5834,35 @@
           </a:p>
         </p:txBody>
       </p:sp>
-      <p:sp>
-        <p:nvSpPr>
-          <p:cNvPr id="3" name="Tijdelijke aanduiding voor inhoud 2"/>
-          <p:cNvSpPr>
-            <a:spLocks noGrp="1"/>
-          </p:cNvSpPr>
+      <p:pic>
+        <p:nvPicPr>
+          <p:cNvPr id="4" name="Tijdelijke aanduiding voor inhoud 3"/>
+          <p:cNvPicPr>
+            <a:picLocks noGrp="1" noChangeAspect="1"/>
+          </p:cNvPicPr>
           <p:nvPr>
             <p:ph idx="1"/>
           </p:nvPr>
-        </p:nvSpPr>
-        <p:spPr/>
-        <p:txBody>
-          <a:bodyPr/>
-          <a:lstStyle/>
-          <a:p>
-            <a:endParaRPr lang="nl-NL"/>
-          </a:p>
-        </p:txBody>
-      </p:sp>
+        </p:nvPicPr>
+        <p:blipFill>
+          <a:blip r:embed="rId2">
+            <a:extLst>
+              <a:ext uri="{28A0092B-C50C-407E-A947-70E740481C1C}">
+                <a14:useLocalDpi xmlns:a14="http://schemas.microsoft.com/office/drawing/2010/main" val="0"/>
+              </a:ext>
+            </a:extLst>
+          </a:blip>
+          <a:stretch>
+            <a:fillRect/>
+          </a:stretch>
+        </p:blipFill>
+        <p:spPr>
+          <a:xfrm>
+            <a:off x="3700086" y="2222500"/>
+            <a:ext cx="4791828" cy="3636963"/>
+          </a:xfrm>
+        </p:spPr>
+      </p:pic>
     </p:spTree>
     <p:extLst>
       <p:ext uri="{BB962C8B-B14F-4D97-AF65-F5344CB8AC3E}">

--- a/extra/presentatie-Puurs.pptx
+++ b/extra/presentatie-Puurs.pptx
@@ -8,12 +8,13 @@
     <p:sldId id="256" r:id="rId2"/>
     <p:sldId id="257" r:id="rId3"/>
     <p:sldId id="258" r:id="rId4"/>
-    <p:sldId id="259" r:id="rId5"/>
-    <p:sldId id="260" r:id="rId6"/>
-    <p:sldId id="261" r:id="rId7"/>
-    <p:sldId id="262" r:id="rId8"/>
-    <p:sldId id="263" r:id="rId9"/>
-    <p:sldId id="264" r:id="rId10"/>
+    <p:sldId id="265" r:id="rId5"/>
+    <p:sldId id="259" r:id="rId6"/>
+    <p:sldId id="260" r:id="rId7"/>
+    <p:sldId id="261" r:id="rId8"/>
+    <p:sldId id="262" r:id="rId9"/>
+    <p:sldId id="263" r:id="rId10"/>
+    <p:sldId id="264" r:id="rId11"/>
   </p:sldIdLst>
   <p:sldSz cx="12192000" cy="6858000"/>
   <p:notesSz cx="6858000" cy="9144000"/>
@@ -120,6 +121,10 @@
 </p:presentation>
 </file>
 
+<file path=ppt/revisionInfo.xml><?xml version="1.0" encoding="utf-8"?>
+<p1510:revInfo xmlns:a="http://schemas.openxmlformats.org/drawingml/2006/main" xmlns:r="http://schemas.openxmlformats.org/officeDocument/2006/relationships" xmlns:p1510="http://schemas.microsoft.com/office/powerpoint/2015/10/main"/>
+</file>
+
 <file path=ppt/slideLayouts/slideLayout1.xml><?xml version="1.0" encoding="utf-8"?>
 <p:sldLayout xmlns:a="http://schemas.openxmlformats.org/drawingml/2006/main" xmlns:r="http://schemas.openxmlformats.org/officeDocument/2006/relationships" xmlns:p="http://schemas.openxmlformats.org/presentationml/2006/main" type="title" preserve="1">
   <p:cSld name="Titeldia">
@@ -266,7 +271,7 @@
           </a:lstStyle>
           <a:p>
             <a:r>
-              <a:rPr lang="nl-NL" smtClean="0"/>
+              <a:rPr lang="nl-NL"/>
               <a:t>Klikken om de titelstijl van het model te bewerken</a:t>
             </a:r>
             <a:endParaRPr lang="en-US" dirty="0"/>
@@ -383,7 +388,7 @@
           </a:lstStyle>
           <a:p>
             <a:r>
-              <a:rPr lang="nl-NL" smtClean="0"/>
+              <a:rPr lang="nl-NL"/>
               <a:t>Klikken om de ondertitelstijl van het model te bewerken</a:t>
             </a:r>
             <a:endParaRPr lang="en-US" dirty="0"/>
@@ -408,7 +413,7 @@
             <a:fld id="{08B9EBBA-996F-894A-B54A-D6246ED52CEA}" type="datetimeFigureOut">
               <a:rPr lang="en-US" dirty="0"/>
               <a:pPr/>
-              <a:t>1/25/18</a:t>
+              <a:t>1/26/2018</a:t>
             </a:fld>
             <a:endParaRPr lang="en-US" dirty="0"/>
           </a:p>
@@ -509,7 +514,7 @@
           </a:lstStyle>
           <a:p>
             <a:r>
-              <a:rPr lang="nl-NL" smtClean="0"/>
+              <a:rPr lang="nl-NL"/>
               <a:t>Klikken om de titelstijl van het model te bewerken</a:t>
             </a:r>
             <a:endParaRPr lang="en-US" dirty="0"/>
@@ -631,7 +636,7 @@
           </a:lstStyle>
           <a:p>
             <a:r>
-              <a:rPr lang="nl-NL" smtClean="0"/>
+              <a:rPr lang="nl-NL"/>
               <a:t>Sleep de afbeelding naar de tijdelijke aanduiding of klik op het pictogram als u een afbeelding wilt toevoegen</a:t>
             </a:r>
             <a:endParaRPr lang="en-US" dirty="0"/>
@@ -699,7 +704,7 @@
           <a:p>
             <a:pPr lvl="0"/>
             <a:r>
-              <a:rPr lang="nl-NL" smtClean="0"/>
+              <a:rPr lang="nl-NL"/>
               <a:t>Klikken om de tekststijl van het model te bewerken</a:t>
             </a:r>
           </a:p>
@@ -723,7 +728,7 @@
             <a:fld id="{18C79C5D-2A6F-F04D-97DA-BEF2467B64E4}" type="datetimeFigureOut">
               <a:rPr lang="en-US" dirty="0"/>
               <a:pPr/>
-              <a:t>1/25/18</a:t>
+              <a:t>1/26/2018</a:t>
             </a:fld>
             <a:endParaRPr lang="en-US" dirty="0"/>
           </a:p>
@@ -1030,7 +1035,7 @@
           </a:lstStyle>
           <a:p>
             <a:r>
-              <a:rPr lang="nl-NL" smtClean="0"/>
+              <a:rPr lang="nl-NL"/>
               <a:t>Klikken om de titelstijl van het model te bewerken</a:t>
             </a:r>
             <a:endParaRPr lang="en-US" dirty="0"/>
@@ -1150,7 +1155,7 @@
           <a:p>
             <a:pPr lvl="0"/>
             <a:r>
-              <a:rPr lang="nl-NL" smtClean="0"/>
+              <a:rPr lang="nl-NL"/>
               <a:t>Klikken om de tekststijl van het model te bewerken</a:t>
             </a:r>
           </a:p>
@@ -1184,7 +1189,7 @@
           <a:p>
             <a:pPr lvl="0"/>
             <a:r>
-              <a:rPr lang="nl-NL" smtClean="0"/>
+              <a:rPr lang="nl-NL"/>
               <a:t>Klikken om de tekststijl van het model te bewerken</a:t>
             </a:r>
           </a:p>
@@ -1208,7 +1213,7 @@
             <a:fld id="{8DFA1846-DA80-1C48-A609-854EA85C59AD}" type="datetimeFigureOut">
               <a:rPr lang="en-US" dirty="0"/>
               <a:pPr/>
-              <a:t>1/25/18</a:t>
+              <a:t>1/26/2018</a:t>
             </a:fld>
             <a:endParaRPr lang="en-US" dirty="0"/>
           </a:p>
@@ -1515,7 +1520,7 @@
           </a:lstStyle>
           <a:p>
             <a:r>
-              <a:rPr lang="nl-NL" smtClean="0"/>
+              <a:rPr lang="nl-NL"/>
               <a:t>Klikken om de titelstijl van het model te bewerken</a:t>
             </a:r>
             <a:endParaRPr lang="en-US" dirty="0"/>
@@ -1550,7 +1555,7 @@
           <a:p>
             <a:pPr lvl="0"/>
             <a:r>
-              <a:rPr lang="nl-NL" smtClean="0"/>
+              <a:rPr lang="nl-NL"/>
               <a:t>Klikken om de tekststijl van het model te bewerken</a:t>
             </a:r>
           </a:p>
@@ -1574,7 +1579,7 @@
             <a:fld id="{FBF54567-0DE4-3F47-BF90-CB84690072F9}" type="datetimeFigureOut">
               <a:rPr lang="en-US" dirty="0"/>
               <a:pPr/>
-              <a:t>1/25/18</a:t>
+              <a:t>1/26/2018</a:t>
             </a:fld>
             <a:endParaRPr lang="en-US" dirty="0"/>
           </a:p>
@@ -1767,7 +1772,7 @@
           <a:lstStyle/>
           <a:p>
             <a:r>
-              <a:rPr lang="nl-NL" smtClean="0"/>
+              <a:rPr lang="nl-NL"/>
               <a:t>Klikken om de titelstijl van het model te bewerken</a:t>
             </a:r>
             <a:endParaRPr lang="en-US" dirty="0"/>
@@ -1791,35 +1796,35 @@
           <a:p>
             <a:pPr lvl="0"/>
             <a:r>
-              <a:rPr lang="nl-NL" smtClean="0"/>
+              <a:rPr lang="nl-NL"/>
               <a:t>Klikken om de tekststijl van het model te bewerken</a:t>
             </a:r>
           </a:p>
           <a:p>
             <a:pPr lvl="1"/>
             <a:r>
-              <a:rPr lang="nl-NL" smtClean="0"/>
+              <a:rPr lang="nl-NL"/>
               <a:t>Tweede niveau</a:t>
             </a:r>
           </a:p>
           <a:p>
             <a:pPr lvl="2"/>
             <a:r>
-              <a:rPr lang="nl-NL" smtClean="0"/>
+              <a:rPr lang="nl-NL"/>
               <a:t>Derde niveau</a:t>
             </a:r>
           </a:p>
           <a:p>
             <a:pPr lvl="3"/>
             <a:r>
-              <a:rPr lang="nl-NL" smtClean="0"/>
+              <a:rPr lang="nl-NL"/>
               <a:t>Vierde niveau</a:t>
             </a:r>
           </a:p>
           <a:p>
             <a:pPr lvl="4"/>
             <a:r>
-              <a:rPr lang="nl-NL" smtClean="0"/>
+              <a:rPr lang="nl-NL"/>
               <a:t>Vijfde niveau</a:t>
             </a:r>
             <a:endParaRPr lang="en-US" dirty="0"/>
@@ -1844,7 +1849,7 @@
             <a:fld id="{C6C52C72-DE31-F449-A4ED-4C594FD91407}" type="datetimeFigureOut">
               <a:rPr lang="en-US" dirty="0"/>
               <a:pPr/>
-              <a:t>1/25/18</a:t>
+              <a:t>1/26/2018</a:t>
             </a:fld>
             <a:endParaRPr lang="en-US" dirty="0"/>
           </a:p>
@@ -2044,7 +2049,7 @@
           <a:lstStyle/>
           <a:p>
             <a:r>
-              <a:rPr lang="nl-NL" smtClean="0"/>
+              <a:rPr lang="nl-NL"/>
               <a:t>Klikken om de titelstijl van het model te bewerken</a:t>
             </a:r>
             <a:endParaRPr lang="en-US" dirty="0"/>
@@ -2073,35 +2078,35 @@
           <a:p>
             <a:pPr lvl="0"/>
             <a:r>
-              <a:rPr lang="nl-NL" smtClean="0"/>
+              <a:rPr lang="nl-NL"/>
               <a:t>Klikken om de tekststijl van het model te bewerken</a:t>
             </a:r>
           </a:p>
           <a:p>
             <a:pPr lvl="1"/>
             <a:r>
-              <a:rPr lang="nl-NL" smtClean="0"/>
+              <a:rPr lang="nl-NL"/>
               <a:t>Tweede niveau</a:t>
             </a:r>
           </a:p>
           <a:p>
             <a:pPr lvl="2"/>
             <a:r>
-              <a:rPr lang="nl-NL" smtClean="0"/>
+              <a:rPr lang="nl-NL"/>
               <a:t>Derde niveau</a:t>
             </a:r>
           </a:p>
           <a:p>
             <a:pPr lvl="3"/>
             <a:r>
-              <a:rPr lang="nl-NL" smtClean="0"/>
+              <a:rPr lang="nl-NL"/>
               <a:t>Vierde niveau</a:t>
             </a:r>
           </a:p>
           <a:p>
             <a:pPr lvl="4"/>
             <a:r>
-              <a:rPr lang="nl-NL" smtClean="0"/>
+              <a:rPr lang="nl-NL"/>
               <a:t>Vijfde niveau</a:t>
             </a:r>
             <a:endParaRPr lang="en-US" dirty="0"/>
@@ -2126,7 +2131,7 @@
             <a:fld id="{ED62726E-379B-B349-9EED-81ED093FA806}" type="datetimeFigureOut">
               <a:rPr lang="en-US" dirty="0"/>
               <a:pPr/>
-              <a:t>1/25/18</a:t>
+              <a:t>1/26/2018</a:t>
             </a:fld>
             <a:endParaRPr lang="en-US" dirty="0"/>
           </a:p>
@@ -2324,7 +2329,7 @@
           <a:lstStyle/>
           <a:p>
             <a:r>
-              <a:rPr lang="nl-NL" smtClean="0"/>
+              <a:rPr lang="nl-NL"/>
               <a:t>Klikken om de titelstijl van het model te bewerken</a:t>
             </a:r>
             <a:endParaRPr lang="en-US" dirty="0"/>
@@ -2353,35 +2358,35 @@
           <a:p>
             <a:pPr lvl="0"/>
             <a:r>
-              <a:rPr lang="nl-NL" smtClean="0"/>
+              <a:rPr lang="nl-NL"/>
               <a:t>Klikken om de tekststijl van het model te bewerken</a:t>
             </a:r>
           </a:p>
           <a:p>
             <a:pPr lvl="1"/>
             <a:r>
-              <a:rPr lang="nl-NL" smtClean="0"/>
+              <a:rPr lang="nl-NL"/>
               <a:t>Tweede niveau</a:t>
             </a:r>
           </a:p>
           <a:p>
             <a:pPr lvl="2"/>
             <a:r>
-              <a:rPr lang="nl-NL" smtClean="0"/>
+              <a:rPr lang="nl-NL"/>
               <a:t>Derde niveau</a:t>
             </a:r>
           </a:p>
           <a:p>
             <a:pPr lvl="3"/>
             <a:r>
-              <a:rPr lang="nl-NL" smtClean="0"/>
+              <a:rPr lang="nl-NL"/>
               <a:t>Vierde niveau</a:t>
             </a:r>
           </a:p>
           <a:p>
             <a:pPr lvl="4"/>
             <a:r>
-              <a:rPr lang="nl-NL" smtClean="0"/>
+              <a:rPr lang="nl-NL"/>
               <a:t>Vijfde niveau</a:t>
             </a:r>
             <a:endParaRPr lang="en-US" dirty="0"/>
@@ -2406,7 +2411,7 @@
             <a:fld id="{9B3A1323-8D79-1946-B0D7-40001CF92E9D}" type="datetimeFigureOut">
               <a:rPr lang="en-US" dirty="0"/>
               <a:pPr/>
-              <a:t>1/25/18</a:t>
+              <a:t>1/26/2018</a:t>
             </a:fld>
             <a:endParaRPr lang="en-US" dirty="0"/>
           </a:p>
@@ -2602,7 +2607,7 @@
           </a:lstStyle>
           <a:p>
             <a:r>
-              <a:rPr lang="nl-NL" smtClean="0"/>
+              <a:rPr lang="nl-NL"/>
               <a:t>Klikken om de titelstijl van het model te bewerken</a:t>
             </a:r>
             <a:endParaRPr lang="en-US" dirty="0"/>
@@ -2722,7 +2727,7 @@
           <a:p>
             <a:pPr lvl="0"/>
             <a:r>
-              <a:rPr lang="nl-NL" smtClean="0"/>
+              <a:rPr lang="nl-NL"/>
               <a:t>Klikken om de tekststijl van het model te bewerken</a:t>
             </a:r>
           </a:p>
@@ -2746,7 +2751,7 @@
             <a:fld id="{8DFA1846-DA80-1C48-A609-854EA85C59AD}" type="datetimeFigureOut">
               <a:rPr lang="en-US" dirty="0"/>
               <a:pPr/>
-              <a:t>1/25/18</a:t>
+              <a:t>1/26/2018</a:t>
             </a:fld>
             <a:endParaRPr lang="en-US" dirty="0"/>
           </a:p>
@@ -2939,7 +2944,7 @@
           <a:lstStyle/>
           <a:p>
             <a:r>
-              <a:rPr lang="nl-NL" smtClean="0"/>
+              <a:rPr lang="nl-NL"/>
               <a:t>Klikken om de titelstijl van het model te bewerken</a:t>
             </a:r>
             <a:endParaRPr lang="en-US" dirty="0"/>
@@ -2970,35 +2975,35 @@
           <a:p>
             <a:pPr lvl="0"/>
             <a:r>
-              <a:rPr lang="nl-NL" smtClean="0"/>
+              <a:rPr lang="nl-NL"/>
               <a:t>Klikken om de tekststijl van het model te bewerken</a:t>
             </a:r>
           </a:p>
           <a:p>
             <a:pPr lvl="1"/>
             <a:r>
-              <a:rPr lang="nl-NL" smtClean="0"/>
+              <a:rPr lang="nl-NL"/>
               <a:t>Tweede niveau</a:t>
             </a:r>
           </a:p>
           <a:p>
             <a:pPr lvl="2"/>
             <a:r>
-              <a:rPr lang="nl-NL" smtClean="0"/>
+              <a:rPr lang="nl-NL"/>
               <a:t>Derde niveau</a:t>
             </a:r>
           </a:p>
           <a:p>
             <a:pPr lvl="3"/>
             <a:r>
-              <a:rPr lang="nl-NL" smtClean="0"/>
+              <a:rPr lang="nl-NL"/>
               <a:t>Vierde niveau</a:t>
             </a:r>
           </a:p>
           <a:p>
             <a:pPr lvl="4"/>
             <a:r>
-              <a:rPr lang="nl-NL" smtClean="0"/>
+              <a:rPr lang="nl-NL"/>
               <a:t>Vijfde niveau</a:t>
             </a:r>
             <a:endParaRPr lang="en-US" dirty="0"/>
@@ -3029,35 +3034,35 @@
           <a:p>
             <a:pPr lvl="0"/>
             <a:r>
-              <a:rPr lang="nl-NL" smtClean="0"/>
+              <a:rPr lang="nl-NL"/>
               <a:t>Klikken om de tekststijl van het model te bewerken</a:t>
             </a:r>
           </a:p>
           <a:p>
             <a:pPr lvl="1"/>
             <a:r>
-              <a:rPr lang="nl-NL" smtClean="0"/>
+              <a:rPr lang="nl-NL"/>
               <a:t>Tweede niveau</a:t>
             </a:r>
           </a:p>
           <a:p>
             <a:pPr lvl="2"/>
             <a:r>
-              <a:rPr lang="nl-NL" smtClean="0"/>
+              <a:rPr lang="nl-NL"/>
               <a:t>Derde niveau</a:t>
             </a:r>
           </a:p>
           <a:p>
             <a:pPr lvl="3"/>
             <a:r>
-              <a:rPr lang="nl-NL" smtClean="0"/>
+              <a:rPr lang="nl-NL"/>
               <a:t>Vierde niveau</a:t>
             </a:r>
           </a:p>
           <a:p>
             <a:pPr lvl="4"/>
             <a:r>
-              <a:rPr lang="nl-NL" smtClean="0"/>
+              <a:rPr lang="nl-NL"/>
               <a:t>Vijfde niveau</a:t>
             </a:r>
             <a:endParaRPr lang="en-US" dirty="0"/>
@@ -3082,7 +3087,7 @@
             <a:fld id="{57302355-E14B-8545-A8F8-0FE83CC9D524}" type="datetimeFigureOut">
               <a:rPr lang="en-US" dirty="0"/>
               <a:pPr/>
-              <a:t>1/25/18</a:t>
+              <a:t>1/26/2018</a:t>
             </a:fld>
             <a:endParaRPr lang="en-US" dirty="0"/>
           </a:p>
@@ -3279,7 +3284,7 @@
           </a:lstStyle>
           <a:p>
             <a:r>
-              <a:rPr lang="nl-NL" smtClean="0"/>
+              <a:rPr lang="nl-NL"/>
               <a:t>Klikken om de titelstijl van het model te bewerken</a:t>
             </a:r>
             <a:endParaRPr lang="en-US" dirty="0"/>
@@ -3347,7 +3352,7 @@
           <a:p>
             <a:pPr lvl="0"/>
             <a:r>
-              <a:rPr lang="nl-NL" smtClean="0"/>
+              <a:rPr lang="nl-NL"/>
               <a:t>Klikken om de tekststijl van het model te bewerken</a:t>
             </a:r>
           </a:p>
@@ -3377,35 +3382,35 @@
           <a:p>
             <a:pPr lvl="0"/>
             <a:r>
-              <a:rPr lang="nl-NL" smtClean="0"/>
+              <a:rPr lang="nl-NL"/>
               <a:t>Klikken om de tekststijl van het model te bewerken</a:t>
             </a:r>
           </a:p>
           <a:p>
             <a:pPr lvl="1"/>
             <a:r>
-              <a:rPr lang="nl-NL" smtClean="0"/>
+              <a:rPr lang="nl-NL"/>
               <a:t>Tweede niveau</a:t>
             </a:r>
           </a:p>
           <a:p>
             <a:pPr lvl="2"/>
             <a:r>
-              <a:rPr lang="nl-NL" smtClean="0"/>
+              <a:rPr lang="nl-NL"/>
               <a:t>Derde niveau</a:t>
             </a:r>
           </a:p>
           <a:p>
             <a:pPr lvl="3"/>
             <a:r>
-              <a:rPr lang="nl-NL" smtClean="0"/>
+              <a:rPr lang="nl-NL"/>
               <a:t>Vierde niveau</a:t>
             </a:r>
           </a:p>
           <a:p>
             <a:pPr lvl="4"/>
             <a:r>
-              <a:rPr lang="nl-NL" smtClean="0"/>
+              <a:rPr lang="nl-NL"/>
               <a:t>Vijfde niveau</a:t>
             </a:r>
             <a:endParaRPr lang="en-US" dirty="0"/>
@@ -3473,7 +3478,7 @@
           <a:p>
             <a:pPr lvl="0"/>
             <a:r>
-              <a:rPr lang="nl-NL" smtClean="0"/>
+              <a:rPr lang="nl-NL"/>
               <a:t>Klikken om de tekststijl van het model te bewerken</a:t>
             </a:r>
           </a:p>
@@ -3503,35 +3508,35 @@
           <a:p>
             <a:pPr lvl="0"/>
             <a:r>
-              <a:rPr lang="nl-NL" smtClean="0"/>
+              <a:rPr lang="nl-NL"/>
               <a:t>Klikken om de tekststijl van het model te bewerken</a:t>
             </a:r>
           </a:p>
           <a:p>
             <a:pPr lvl="1"/>
             <a:r>
-              <a:rPr lang="nl-NL" smtClean="0"/>
+              <a:rPr lang="nl-NL"/>
               <a:t>Tweede niveau</a:t>
             </a:r>
           </a:p>
           <a:p>
             <a:pPr lvl="2"/>
             <a:r>
-              <a:rPr lang="nl-NL" smtClean="0"/>
+              <a:rPr lang="nl-NL"/>
               <a:t>Derde niveau</a:t>
             </a:r>
           </a:p>
           <a:p>
             <a:pPr lvl="3"/>
             <a:r>
-              <a:rPr lang="nl-NL" smtClean="0"/>
+              <a:rPr lang="nl-NL"/>
               <a:t>Vierde niveau</a:t>
             </a:r>
           </a:p>
           <a:p>
             <a:pPr lvl="4"/>
             <a:r>
-              <a:rPr lang="nl-NL" smtClean="0"/>
+              <a:rPr lang="nl-NL"/>
               <a:t>Vijfde niveau</a:t>
             </a:r>
             <a:endParaRPr lang="en-US" dirty="0"/>
@@ -3556,7 +3561,7 @@
             <a:fld id="{02640F58-564D-2B4F-AE67-E407BA4FCF45}" type="datetimeFigureOut">
               <a:rPr lang="en-US" dirty="0"/>
               <a:pPr/>
-              <a:t>1/25/18</a:t>
+              <a:t>1/26/2018</a:t>
             </a:fld>
             <a:endParaRPr lang="en-US" dirty="0"/>
           </a:p>
@@ -3749,7 +3754,7 @@
           <a:lstStyle/>
           <a:p>
             <a:r>
-              <a:rPr lang="nl-NL" smtClean="0"/>
+              <a:rPr lang="nl-NL"/>
               <a:t>Klikken om de titelstijl van het model te bewerken</a:t>
             </a:r>
             <a:endParaRPr lang="en-US" dirty="0"/>
@@ -3774,7 +3779,7 @@
             <a:fld id="{F13A34C8-038E-2045-AF43-DF7DBB8E0E9E}" type="datetimeFigureOut">
               <a:rPr lang="en-US" dirty="0"/>
               <a:pPr/>
-              <a:t>1/25/18</a:t>
+              <a:t>1/26/2018</a:t>
             </a:fld>
             <a:endParaRPr lang="en-US" dirty="0"/>
           </a:p>
@@ -3866,7 +3871,7 @@
             <a:fld id="{8818C68F-D26B-8F47-958C-23B49CF8A634}" type="datetimeFigureOut">
               <a:rPr lang="en-US" dirty="0"/>
               <a:pPr/>
-              <a:t>1/25/18</a:t>
+              <a:t>1/26/2018</a:t>
             </a:fld>
             <a:endParaRPr lang="en-US" dirty="0"/>
           </a:p>
@@ -4181,7 +4186,7 @@
           </a:lstStyle>
           <a:p>
             <a:r>
-              <a:rPr lang="nl-NL" smtClean="0"/>
+              <a:rPr lang="nl-NL"/>
               <a:t>Klikken om de titelstijl van het model te bewerken</a:t>
             </a:r>
             <a:endParaRPr lang="en-US" dirty="0"/>
@@ -4212,35 +4217,35 @@
           <a:p>
             <a:pPr lvl="0"/>
             <a:r>
-              <a:rPr lang="nl-NL" smtClean="0"/>
+              <a:rPr lang="nl-NL"/>
               <a:t>Klikken om de tekststijl van het model te bewerken</a:t>
             </a:r>
           </a:p>
           <a:p>
             <a:pPr lvl="1"/>
             <a:r>
-              <a:rPr lang="nl-NL" smtClean="0"/>
+              <a:rPr lang="nl-NL"/>
               <a:t>Tweede niveau</a:t>
             </a:r>
           </a:p>
           <a:p>
             <a:pPr lvl="2"/>
             <a:r>
-              <a:rPr lang="nl-NL" smtClean="0"/>
+              <a:rPr lang="nl-NL"/>
               <a:t>Derde niveau</a:t>
             </a:r>
           </a:p>
           <a:p>
             <a:pPr lvl="3"/>
             <a:r>
-              <a:rPr lang="nl-NL" smtClean="0"/>
+              <a:rPr lang="nl-NL"/>
               <a:t>Vierde niveau</a:t>
             </a:r>
           </a:p>
           <a:p>
             <a:pPr lvl="4"/>
             <a:r>
-              <a:rPr lang="nl-NL" smtClean="0"/>
+              <a:rPr lang="nl-NL"/>
               <a:t>Vijfde niveau</a:t>
             </a:r>
             <a:endParaRPr lang="en-US" dirty="0"/>
@@ -4306,7 +4311,7 @@
           <a:p>
             <a:pPr lvl="0"/>
             <a:r>
-              <a:rPr lang="nl-NL" smtClean="0"/>
+              <a:rPr lang="nl-NL"/>
               <a:t>Klikken om de tekststijl van het model te bewerken</a:t>
             </a:r>
           </a:p>
@@ -4330,7 +4335,7 @@
             <a:fld id="{D0DF5E60-9974-AC48-9591-99C2BB44B7CF}" type="datetimeFigureOut">
               <a:rPr lang="en-US" dirty="0"/>
               <a:pPr/>
-              <a:t>1/25/18</a:t>
+              <a:t>1/26/2018</a:t>
             </a:fld>
             <a:endParaRPr lang="en-US" dirty="0"/>
           </a:p>
@@ -4431,7 +4436,7 @@
           </a:lstStyle>
           <a:p>
             <a:r>
-              <a:rPr lang="nl-NL" smtClean="0"/>
+              <a:rPr lang="nl-NL"/>
               <a:t>Klikken om de titelstijl van het model te bewerken</a:t>
             </a:r>
             <a:endParaRPr lang="en-US" dirty="0"/>
@@ -4543,7 +4548,7 @@
           </a:lstStyle>
           <a:p>
             <a:r>
-              <a:rPr lang="nl-NL" smtClean="0"/>
+              <a:rPr lang="nl-NL"/>
               <a:t>Sleep de afbeelding naar de tijdelijke aanduiding of klik op het pictogram als u een afbeelding wilt toevoegen</a:t>
             </a:r>
             <a:endParaRPr lang="en-US" dirty="0"/>
@@ -4611,7 +4616,7 @@
           <a:p>
             <a:pPr lvl="0"/>
             <a:r>
-              <a:rPr lang="nl-NL" smtClean="0"/>
+              <a:rPr lang="nl-NL"/>
               <a:t>Klikken om de tekststijl van het model te bewerken</a:t>
             </a:r>
           </a:p>
@@ -4640,7 +4645,7 @@
             <a:fld id="{18C79C5D-2A6F-F04D-97DA-BEF2467B64E4}" type="datetimeFigureOut">
               <a:rPr lang="en-US" dirty="0"/>
               <a:pPr/>
-              <a:t>1/25/18</a:t>
+              <a:t>1/26/2018</a:t>
             </a:fld>
             <a:endParaRPr lang="en-US" dirty="0"/>
           </a:p>
@@ -4762,7 +4767,7 @@
           <a:lstStyle/>
           <a:p>
             <a:r>
-              <a:rPr lang="nl-NL" smtClean="0"/>
+              <a:rPr lang="nl-NL"/>
               <a:t>Klikken om de titelstijl van het model te bewerken</a:t>
             </a:r>
             <a:endParaRPr lang="en-US" dirty="0"/>
@@ -4803,35 +4808,35 @@
           <a:p>
             <a:pPr lvl="0"/>
             <a:r>
-              <a:rPr lang="nl-NL" smtClean="0"/>
+              <a:rPr lang="nl-NL"/>
               <a:t>Klikken om de tekststijl van het model te bewerken</a:t>
             </a:r>
           </a:p>
           <a:p>
             <a:pPr lvl="1"/>
             <a:r>
-              <a:rPr lang="nl-NL" smtClean="0"/>
+              <a:rPr lang="nl-NL"/>
               <a:t>Tweede niveau</a:t>
             </a:r>
           </a:p>
           <a:p>
             <a:pPr lvl="2"/>
             <a:r>
-              <a:rPr lang="nl-NL" smtClean="0"/>
+              <a:rPr lang="nl-NL"/>
               <a:t>Derde niveau</a:t>
             </a:r>
           </a:p>
           <a:p>
             <a:pPr lvl="3"/>
             <a:r>
-              <a:rPr lang="nl-NL" smtClean="0"/>
+              <a:rPr lang="nl-NL"/>
               <a:t>Vierde niveau</a:t>
             </a:r>
           </a:p>
           <a:p>
             <a:pPr lvl="4"/>
             <a:r>
-              <a:rPr lang="nl-NL" smtClean="0"/>
+              <a:rPr lang="nl-NL"/>
               <a:t>Vijfde niveau</a:t>
             </a:r>
             <a:endParaRPr lang="en-US" dirty="0"/>
@@ -4907,7 +4912,7 @@
             <a:fld id="{09B482E8-6E0E-1B4F-B1FD-C69DB9E858D9}" type="datetimeFigureOut">
               <a:rPr lang="en-US" dirty="0"/>
               <a:pPr/>
-              <a:t>1/25/18</a:t>
+              <a:t>1/26/2018</a:t>
             </a:fld>
             <a:endParaRPr lang="en-US" dirty="0"/>
           </a:p>
@@ -5369,10 +5374,9 @@
           <a:lstStyle/>
           <a:p>
             <a:r>
-              <a:rPr lang="nl-NL" dirty="0" smtClean="0"/>
+              <a:rPr lang="nl-NL" dirty="0"/>
               <a:t>Quiz Platform Puurs</a:t>
             </a:r>
-            <a:endParaRPr lang="nl-NL" dirty="0"/>
           </a:p>
         </p:txBody>
       </p:sp>
@@ -5392,11 +5396,11 @@
           <a:lstStyle/>
           <a:p>
             <a:r>
-              <a:rPr lang="nl-NL" dirty="0" err="1" smtClean="0"/>
+              <a:rPr lang="nl-NL" dirty="0" err="1"/>
               <a:t>VerkeersQuiz</a:t>
             </a:r>
             <a:r>
-              <a:rPr lang="nl-NL" smtClean="0"/>
+              <a:rPr lang="nl-NL"/>
               <a:t> Puurs</a:t>
             </a:r>
             <a:endParaRPr lang="nl-NL" dirty="0"/>
@@ -5407,6 +5411,77 @@
     <p:extLst>
       <p:ext uri="{BB962C8B-B14F-4D97-AF65-F5344CB8AC3E}">
         <p14:creationId xmlns:p14="http://schemas.microsoft.com/office/powerpoint/2010/main" val="1451478977"/>
+      </p:ext>
+    </p:extLst>
+  </p:cSld>
+  <p:clrMapOvr>
+    <a:masterClrMapping/>
+  </p:clrMapOvr>
+</p:sld>
+</file>
+
+<file path=ppt/slides/slide10.xml><?xml version="1.0" encoding="utf-8"?>
+<p:sld xmlns:a="http://schemas.openxmlformats.org/drawingml/2006/main" xmlns:r="http://schemas.openxmlformats.org/officeDocument/2006/relationships" xmlns:p="http://schemas.openxmlformats.org/presentationml/2006/main">
+  <p:cSld>
+    <p:spTree>
+      <p:nvGrpSpPr>
+        <p:cNvPr id="1" name=""/>
+        <p:cNvGrpSpPr/>
+        <p:nvPr/>
+      </p:nvGrpSpPr>
+      <p:grpSpPr>
+        <a:xfrm>
+          <a:off x="0" y="0"/>
+          <a:ext cx="0" cy="0"/>
+          <a:chOff x="0" y="0"/>
+          <a:chExt cx="0" cy="0"/>
+        </a:xfrm>
+      </p:grpSpPr>
+      <p:sp>
+        <p:nvSpPr>
+          <p:cNvPr id="2" name="Titel 1"/>
+          <p:cNvSpPr>
+            <a:spLocks noGrp="1"/>
+          </p:cNvSpPr>
+          <p:nvPr>
+            <p:ph type="title"/>
+          </p:nvPr>
+        </p:nvSpPr>
+        <p:spPr/>
+        <p:txBody>
+          <a:bodyPr/>
+          <a:lstStyle/>
+          <a:p>
+            <a:r>
+              <a:rPr lang="nl-NL" dirty="0"/>
+              <a:t>Reflectie</a:t>
+            </a:r>
+          </a:p>
+        </p:txBody>
+      </p:sp>
+      <p:sp>
+        <p:nvSpPr>
+          <p:cNvPr id="3" name="Tijdelijke aanduiding voor inhoud 2"/>
+          <p:cNvSpPr>
+            <a:spLocks noGrp="1"/>
+          </p:cNvSpPr>
+          <p:nvPr>
+            <p:ph idx="1"/>
+          </p:nvPr>
+        </p:nvSpPr>
+        <p:spPr/>
+        <p:txBody>
+          <a:bodyPr/>
+          <a:lstStyle/>
+          <a:p>
+            <a:endParaRPr lang="nl-NL"/>
+          </a:p>
+        </p:txBody>
+      </p:sp>
+    </p:spTree>
+    <p:extLst>
+      <p:ext uri="{BB962C8B-B14F-4D97-AF65-F5344CB8AC3E}">
+        <p14:creationId xmlns:p14="http://schemas.microsoft.com/office/powerpoint/2010/main" val="560727202"/>
       </p:ext>
     </p:extLst>
   </p:cSld>
@@ -5449,10 +5524,9 @@
           <a:lstStyle/>
           <a:p>
             <a:r>
-              <a:rPr lang="nl-NL" dirty="0" smtClean="0"/>
+              <a:rPr lang="nl-NL" dirty="0"/>
               <a:t>Analyse</a:t>
             </a:r>
-            <a:endParaRPr lang="nl-NL" dirty="0"/>
           </a:p>
         </p:txBody>
       </p:sp>
@@ -5472,17 +5546,17 @@
           <a:lstStyle/>
           <a:p>
             <a:r>
-              <a:rPr lang="nl-NL" dirty="0" smtClean="0"/>
+              <a:rPr lang="nl-NL" dirty="0"/>
               <a:t>Verschillende bestaande Quiz platformen bekeken</a:t>
             </a:r>
           </a:p>
           <a:p>
             <a:r>
-              <a:rPr lang="nl-NL" dirty="0" smtClean="0"/>
+              <a:rPr lang="nl-NL" dirty="0"/>
               <a:t>Geen enkele voldoet aan alle </a:t>
             </a:r>
             <a:r>
-              <a:rPr lang="nl-NL" dirty="0" err="1" smtClean="0"/>
+              <a:rPr lang="nl-NL" dirty="0" err="1"/>
               <a:t>requirements</a:t>
             </a:r>
             <a:endParaRPr lang="nl-NL" dirty="0"/>
@@ -5535,50 +5609,48 @@
           <a:lstStyle/>
           <a:p>
             <a:r>
-              <a:rPr lang="nl-NL" dirty="0" smtClean="0"/>
+              <a:rPr lang="nl-NL" dirty="0"/>
               <a:t>Ontwerp software</a:t>
             </a:r>
+          </a:p>
+        </p:txBody>
+      </p:sp>
+      <p:sp>
+        <p:nvSpPr>
+          <p:cNvPr id="3" name="Tijdelijke aanduiding voor inhoud 2"/>
+          <p:cNvSpPr>
+            <a:spLocks noGrp="1"/>
+          </p:cNvSpPr>
+          <p:nvPr>
+            <p:ph idx="1"/>
+          </p:nvPr>
+        </p:nvSpPr>
+        <p:spPr/>
+        <p:txBody>
+          <a:bodyPr/>
+          <a:lstStyle/>
+          <a:p>
+            <a:r>
+              <a:rPr lang="nl-NL" dirty="0"/>
+              <a:t>1st optie was </a:t>
+            </a:r>
+            <a:r>
+              <a:rPr lang="nl-NL" dirty="0" err="1"/>
+              <a:t>NodeJS</a:t>
+            </a:r>
             <a:endParaRPr lang="nl-NL" dirty="0"/>
           </a:p>
-        </p:txBody>
-      </p:sp>
-      <p:sp>
-        <p:nvSpPr>
-          <p:cNvPr id="3" name="Tijdelijke aanduiding voor inhoud 2"/>
-          <p:cNvSpPr>
-            <a:spLocks noGrp="1"/>
-          </p:cNvSpPr>
-          <p:nvPr>
-            <p:ph idx="1"/>
-          </p:nvPr>
-        </p:nvSpPr>
-        <p:spPr/>
-        <p:txBody>
-          <a:bodyPr/>
-          <a:lstStyle/>
-          <a:p>
-            <a:r>
-              <a:rPr lang="nl-NL" dirty="0" smtClean="0"/>
-              <a:t>1st optie was </a:t>
-            </a:r>
-            <a:r>
-              <a:rPr lang="nl-NL" dirty="0" err="1" smtClean="0"/>
-              <a:t>NodeJS</a:t>
-            </a:r>
-            <a:endParaRPr lang="nl-NL" dirty="0" smtClean="0"/>
-          </a:p>
-          <a:p>
-            <a:r>
-              <a:rPr lang="nl-NL" dirty="0" smtClean="0"/>
+          <a:p>
+            <a:r>
+              <a:rPr lang="nl-NL" dirty="0"/>
               <a:t>Klant heeft zelf geen servers</a:t>
             </a:r>
           </a:p>
           <a:p>
             <a:r>
-              <a:rPr lang="nl-NL" dirty="0" smtClean="0"/>
+              <a:rPr lang="nl-NL" dirty="0"/>
               <a:t>Gekozen om safe te spelen: PHP</a:t>
             </a:r>
-            <a:endParaRPr lang="nl-NL" dirty="0"/>
           </a:p>
         </p:txBody>
       </p:sp>
@@ -5614,7 +5686,13 @@
       </p:grpSpPr>
       <p:sp>
         <p:nvSpPr>
-          <p:cNvPr id="2" name="Titel 1"/>
+          <p:cNvPr id="2" name="Titel 1">
+            <a:extLst>
+              <a:ext uri="{FF2B5EF4-FFF2-40B4-BE49-F238E27FC236}">
+                <a16:creationId xmlns:a16="http://schemas.microsoft.com/office/drawing/2014/main" id="{D9C529F2-A8F6-457A-B964-442067766E38}"/>
+              </a:ext>
+            </a:extLst>
+          </p:cNvPr>
           <p:cNvSpPr>
             <a:spLocks noGrp="1"/>
           </p:cNvSpPr>
@@ -5628,16 +5706,21 @@
           <a:lstStyle/>
           <a:p>
             <a:r>
-              <a:rPr lang="nl-NL" dirty="0" smtClean="0"/>
-              <a:t>Implementatie Software</a:t>
-            </a:r>
-            <a:endParaRPr lang="nl-NL" dirty="0"/>
-          </a:p>
-        </p:txBody>
-      </p:sp>
-      <p:sp>
-        <p:nvSpPr>
-          <p:cNvPr id="3" name="Tijdelijke aanduiding voor inhoud 2"/>
+              <a:rPr lang="nl-BE" dirty="0"/>
+              <a:t>Verschil andere quizzen</a:t>
+            </a:r>
+          </a:p>
+        </p:txBody>
+      </p:sp>
+      <p:sp>
+        <p:nvSpPr>
+          <p:cNvPr id="3" name="Tijdelijke aanduiding voor inhoud 2">
+            <a:extLst>
+              <a:ext uri="{FF2B5EF4-FFF2-40B4-BE49-F238E27FC236}">
+                <a16:creationId xmlns:a16="http://schemas.microsoft.com/office/drawing/2014/main" id="{F74B763A-5132-45BE-A2B0-2952AB3DCFF6}"/>
+              </a:ext>
+            </a:extLst>
+          </p:cNvPr>
           <p:cNvSpPr>
             <a:spLocks noGrp="1"/>
           </p:cNvSpPr>
@@ -5651,64 +5734,22 @@
           <a:lstStyle/>
           <a:p>
             <a:r>
-              <a:rPr lang="nl-NL" dirty="0" err="1" smtClean="0"/>
-              <a:t>Frameworks</a:t>
-            </a:r>
-            <a:r>
-              <a:rPr lang="nl-NL" dirty="0" smtClean="0"/>
-              <a:t> bekeken, </a:t>
-            </a:r>
-            <a:r>
-              <a:rPr lang="nl-NL" dirty="0" err="1" smtClean="0"/>
-              <a:t>Laravel</a:t>
-            </a:r>
-            <a:r>
-              <a:rPr lang="nl-NL" dirty="0" smtClean="0"/>
-              <a:t> uitgeprobeerd</a:t>
-            </a:r>
-          </a:p>
-          <a:p>
-            <a:r>
-              <a:rPr lang="nl-NL" dirty="0" smtClean="0"/>
-              <a:t>Framework leek wat omslachtig voor dit kleinschalig project</a:t>
-            </a:r>
-          </a:p>
-          <a:p>
-            <a:r>
-              <a:rPr lang="nl-NL" dirty="0"/>
-              <a:t>B</a:t>
-            </a:r>
-            <a:r>
-              <a:rPr lang="nl-NL" dirty="0" smtClean="0"/>
-              <a:t>ackend pure PHP + </a:t>
-            </a:r>
-            <a:r>
-              <a:rPr lang="nl-NL" dirty="0" err="1" smtClean="0"/>
-              <a:t>MySQL</a:t>
-            </a:r>
-            <a:endParaRPr lang="nl-NL" dirty="0" smtClean="0"/>
-          </a:p>
-          <a:p>
-            <a:r>
-              <a:rPr lang="nl-NL" dirty="0" smtClean="0"/>
-              <a:t>Front-end: HTML/CSS(</a:t>
-            </a:r>
-            <a:r>
-              <a:rPr lang="nl-NL" dirty="0" err="1" smtClean="0"/>
-              <a:t>Materialize</a:t>
-            </a:r>
-            <a:r>
-              <a:rPr lang="nl-NL" dirty="0" smtClean="0"/>
-              <a:t>)/Javascript</a:t>
-            </a:r>
-            <a:endParaRPr lang="nl-NL" dirty="0"/>
+              <a:rPr lang="nl-BE" dirty="0"/>
+              <a:t>Template</a:t>
+            </a:r>
+          </a:p>
+          <a:p>
+            <a:r>
+              <a:rPr lang="nl-BE" dirty="0"/>
+              <a:t>Specifieke vragen toewijzen aan klassen</a:t>
+            </a:r>
           </a:p>
         </p:txBody>
       </p:sp>
     </p:spTree>
     <p:extLst>
       <p:ext uri="{BB962C8B-B14F-4D97-AF65-F5344CB8AC3E}">
-        <p14:creationId xmlns:p14="http://schemas.microsoft.com/office/powerpoint/2010/main" val="320503602"/>
+        <p14:creationId xmlns:p14="http://schemas.microsoft.com/office/powerpoint/2010/main" val="1239535850"/>
       </p:ext>
     </p:extLst>
   </p:cSld>
@@ -5751,40 +5792,81 @@
           <a:lstStyle/>
           <a:p>
             <a:r>
-              <a:rPr lang="nl-NL" dirty="0" smtClean="0"/>
-              <a:t>Code om trots op te zijn</a:t>
+              <a:rPr lang="nl-NL" dirty="0"/>
+              <a:t>Implementatie Software</a:t>
+            </a:r>
+          </a:p>
+        </p:txBody>
+      </p:sp>
+      <p:sp>
+        <p:nvSpPr>
+          <p:cNvPr id="3" name="Tijdelijke aanduiding voor inhoud 2"/>
+          <p:cNvSpPr>
+            <a:spLocks noGrp="1"/>
+          </p:cNvSpPr>
+          <p:nvPr>
+            <p:ph idx="1"/>
+          </p:nvPr>
+        </p:nvSpPr>
+        <p:spPr/>
+        <p:txBody>
+          <a:bodyPr/>
+          <a:lstStyle/>
+          <a:p>
+            <a:r>
+              <a:rPr lang="nl-NL" dirty="0" err="1"/>
+              <a:t>Frameworks</a:t>
+            </a:r>
+            <a:r>
+              <a:rPr lang="nl-NL" dirty="0"/>
+              <a:t> bekeken, </a:t>
+            </a:r>
+            <a:r>
+              <a:rPr lang="nl-NL" dirty="0" err="1"/>
+              <a:t>Laravel</a:t>
+            </a:r>
+            <a:r>
+              <a:rPr lang="nl-NL" dirty="0"/>
+              <a:t> uitgeprobeerd</a:t>
+            </a:r>
+          </a:p>
+          <a:p>
+            <a:r>
+              <a:rPr lang="nl-NL" dirty="0"/>
+              <a:t>Framework leek wat omslachtig voor dit kleinschalig project</a:t>
+            </a:r>
+          </a:p>
+          <a:p>
+            <a:r>
+              <a:rPr lang="nl-NL" dirty="0"/>
+              <a:t>Backend pure PHP + </a:t>
+            </a:r>
+            <a:r>
+              <a:rPr lang="nl-NL" dirty="0" err="1"/>
+              <a:t>MySQL</a:t>
             </a:r>
             <a:endParaRPr lang="nl-NL" dirty="0"/>
           </a:p>
-        </p:txBody>
-      </p:sp>
-      <p:sp>
-        <p:nvSpPr>
-          <p:cNvPr id="3" name="Tijdelijke aanduiding voor inhoud 2"/>
-          <p:cNvSpPr>
-            <a:spLocks noGrp="1"/>
-          </p:cNvSpPr>
-          <p:nvPr>
-            <p:ph idx="1"/>
-          </p:nvPr>
-        </p:nvSpPr>
-        <p:spPr/>
-        <p:txBody>
-          <a:bodyPr/>
-          <a:lstStyle/>
-          <a:p>
-            <a:r>
-              <a:rPr lang="nl-NL" dirty="0" smtClean="0"/>
-              <a:t>Wij zijn ervan overtuigd dat er steeds ruimte is voor verbetering</a:t>
-            </a:r>
-            <a:endParaRPr lang="nl-NL" dirty="0"/>
+          <a:p>
+            <a:r>
+              <a:rPr lang="nl-NL" dirty="0"/>
+              <a:t>Front-end: HTML/CSS(</a:t>
+            </a:r>
+            <a:r>
+              <a:rPr lang="nl-NL" dirty="0" err="1"/>
+              <a:t>Materialize</a:t>
+            </a:r>
+            <a:r>
+              <a:rPr lang="nl-NL" dirty="0"/>
+              <a:t>)/Javascript</a:t>
+            </a:r>
           </a:p>
         </p:txBody>
       </p:sp>
     </p:spTree>
     <p:extLst>
       <p:ext uri="{BB962C8B-B14F-4D97-AF65-F5344CB8AC3E}">
-        <p14:creationId xmlns:p14="http://schemas.microsoft.com/office/powerpoint/2010/main" val="929693350"/>
+        <p14:creationId xmlns:p14="http://schemas.microsoft.com/office/powerpoint/2010/main" val="320503602"/>
       </p:ext>
     </p:extLst>
   </p:cSld>
@@ -5827,10 +5909,83 @@
           <a:lstStyle/>
           <a:p>
             <a:r>
-              <a:rPr lang="nl-NL" dirty="0" smtClean="0"/>
+              <a:rPr lang="nl-NL" dirty="0"/>
+              <a:t>Code om trots op te zijn</a:t>
+            </a:r>
+          </a:p>
+        </p:txBody>
+      </p:sp>
+      <p:sp>
+        <p:nvSpPr>
+          <p:cNvPr id="3" name="Tijdelijke aanduiding voor inhoud 2"/>
+          <p:cNvSpPr>
+            <a:spLocks noGrp="1"/>
+          </p:cNvSpPr>
+          <p:nvPr>
+            <p:ph idx="1"/>
+          </p:nvPr>
+        </p:nvSpPr>
+        <p:spPr/>
+        <p:txBody>
+          <a:bodyPr/>
+          <a:lstStyle/>
+          <a:p>
+            <a:r>
+              <a:rPr lang="nl-NL" dirty="0"/>
+              <a:t>Wij zijn ervan overtuigd dat er steeds ruimte is voor verbetering</a:t>
+            </a:r>
+          </a:p>
+        </p:txBody>
+      </p:sp>
+    </p:spTree>
+    <p:extLst>
+      <p:ext uri="{BB962C8B-B14F-4D97-AF65-F5344CB8AC3E}">
+        <p14:creationId xmlns:p14="http://schemas.microsoft.com/office/powerpoint/2010/main" val="929693350"/>
+      </p:ext>
+    </p:extLst>
+  </p:cSld>
+  <p:clrMapOvr>
+    <a:masterClrMapping/>
+  </p:clrMapOvr>
+</p:sld>
+</file>
+
+<file path=ppt/slides/slide7.xml><?xml version="1.0" encoding="utf-8"?>
+<p:sld xmlns:a="http://schemas.openxmlformats.org/drawingml/2006/main" xmlns:r="http://schemas.openxmlformats.org/officeDocument/2006/relationships" xmlns:p="http://schemas.openxmlformats.org/presentationml/2006/main">
+  <p:cSld>
+    <p:spTree>
+      <p:nvGrpSpPr>
+        <p:cNvPr id="1" name=""/>
+        <p:cNvGrpSpPr/>
+        <p:nvPr/>
+      </p:nvGrpSpPr>
+      <p:grpSpPr>
+        <a:xfrm>
+          <a:off x="0" y="0"/>
+          <a:ext cx="0" cy="0"/>
+          <a:chOff x="0" y="0"/>
+          <a:chExt cx="0" cy="0"/>
+        </a:xfrm>
+      </p:grpSpPr>
+      <p:sp>
+        <p:nvSpPr>
+          <p:cNvPr id="2" name="Titel 1"/>
+          <p:cNvSpPr>
+            <a:spLocks noGrp="1"/>
+          </p:cNvSpPr>
+          <p:nvPr>
+            <p:ph type="title"/>
+          </p:nvPr>
+        </p:nvSpPr>
+        <p:spPr/>
+        <p:txBody>
+          <a:bodyPr/>
+          <a:lstStyle/>
+          <a:p>
+            <a:r>
+              <a:rPr lang="nl-NL" dirty="0"/>
               <a:t>Code om minder trots op te zijn</a:t>
             </a:r>
-            <a:endParaRPr lang="nl-NL" dirty="0"/>
           </a:p>
         </p:txBody>
       </p:sp>
@@ -5876,113 +6031,6 @@
 </p:sld>
 </file>
 
-<file path=ppt/slides/slide7.xml><?xml version="1.0" encoding="utf-8"?>
-<p:sld xmlns:a="http://schemas.openxmlformats.org/drawingml/2006/main" xmlns:r="http://schemas.openxmlformats.org/officeDocument/2006/relationships" xmlns:p="http://schemas.openxmlformats.org/presentationml/2006/main">
-  <p:cSld>
-    <p:spTree>
-      <p:nvGrpSpPr>
-        <p:cNvPr id="1" name=""/>
-        <p:cNvGrpSpPr/>
-        <p:nvPr/>
-      </p:nvGrpSpPr>
-      <p:grpSpPr>
-        <a:xfrm>
-          <a:off x="0" y="0"/>
-          <a:ext cx="0" cy="0"/>
-          <a:chOff x="0" y="0"/>
-          <a:chExt cx="0" cy="0"/>
-        </a:xfrm>
-      </p:grpSpPr>
-      <p:sp>
-        <p:nvSpPr>
-          <p:cNvPr id="2" name="Titel 1"/>
-          <p:cNvSpPr>
-            <a:spLocks noGrp="1"/>
-          </p:cNvSpPr>
-          <p:nvPr>
-            <p:ph type="title"/>
-          </p:nvPr>
-        </p:nvSpPr>
-        <p:spPr/>
-        <p:txBody>
-          <a:bodyPr/>
-          <a:lstStyle/>
-          <a:p>
-            <a:r>
-              <a:rPr lang="nl-NL" dirty="0" err="1" smtClean="0"/>
-              <a:t>Communicate</a:t>
-            </a:r>
-            <a:endParaRPr lang="nl-NL" dirty="0"/>
-          </a:p>
-        </p:txBody>
-      </p:sp>
-      <p:sp>
-        <p:nvSpPr>
-          <p:cNvPr id="3" name="Tijdelijke aanduiding voor inhoud 2"/>
-          <p:cNvSpPr>
-            <a:spLocks noGrp="1"/>
-          </p:cNvSpPr>
-          <p:nvPr>
-            <p:ph idx="1"/>
-          </p:nvPr>
-        </p:nvSpPr>
-        <p:spPr/>
-        <p:txBody>
-          <a:bodyPr/>
-          <a:lstStyle/>
-          <a:p>
-            <a:r>
-              <a:rPr lang="nl-NL" dirty="0" smtClean="0"/>
-              <a:t>Eerste gesprek: skype-gesprek</a:t>
-            </a:r>
-          </a:p>
-          <a:p>
-            <a:r>
-              <a:rPr lang="nl-NL" dirty="0" smtClean="0"/>
-              <a:t>Mailing, ging niet altijd even vlot, vooral  technische dienst puurs</a:t>
-            </a:r>
-          </a:p>
-          <a:p>
-            <a:r>
-              <a:rPr lang="nl-NL" dirty="0" smtClean="0"/>
-              <a:t>Tussentijds skypegesprek om vooruitgang te bespreken</a:t>
-            </a:r>
-          </a:p>
-          <a:p>
-            <a:r>
-              <a:rPr lang="nl-NL" dirty="0" smtClean="0"/>
-              <a:t>Mailing</a:t>
-            </a:r>
-          </a:p>
-          <a:p>
-            <a:r>
-              <a:rPr lang="nl-NL" dirty="0" smtClean="0"/>
-              <a:t>Nog te verwachten: Een </a:t>
-            </a:r>
-            <a:r>
-              <a:rPr lang="nl-NL" dirty="0" err="1" smtClean="0"/>
-              <a:t>afronded</a:t>
-            </a:r>
-            <a:r>
-              <a:rPr lang="nl-NL" dirty="0" smtClean="0"/>
-              <a:t> skype-gesprek, Helaas heeft de klant het wat druk</a:t>
-            </a:r>
-          </a:p>
-        </p:txBody>
-      </p:sp>
-    </p:spTree>
-    <p:extLst>
-      <p:ext uri="{BB962C8B-B14F-4D97-AF65-F5344CB8AC3E}">
-        <p14:creationId xmlns:p14="http://schemas.microsoft.com/office/powerpoint/2010/main" val="1387002575"/>
-      </p:ext>
-    </p:extLst>
-  </p:cSld>
-  <p:clrMapOvr>
-    <a:masterClrMapping/>
-  </p:clrMapOvr>
-</p:sld>
-</file>
-
 <file path=ppt/slides/slide8.xml><?xml version="1.0" encoding="utf-8"?>
 <p:sld xmlns:a="http://schemas.openxmlformats.org/drawingml/2006/main" xmlns:r="http://schemas.openxmlformats.org/officeDocument/2006/relationships" xmlns:p="http://schemas.openxmlformats.org/presentationml/2006/main">
   <p:cSld>
@@ -6016,8 +6064,8 @@
           <a:lstStyle/>
           <a:p>
             <a:r>
-              <a:rPr lang="nl-NL" dirty="0" smtClean="0"/>
-              <a:t>Gerealiseerde oplossing</a:t>
+              <a:rPr lang="nl-NL" dirty="0" err="1"/>
+              <a:t>Communicate</a:t>
             </a:r>
             <a:endParaRPr lang="nl-NL" dirty="0"/>
           </a:p>
@@ -6039,24 +6087,40 @@
           <a:lstStyle/>
           <a:p>
             <a:r>
-              <a:rPr lang="nl-NL" dirty="0" err="1" smtClean="0"/>
-              <a:t>Verkeersquiz.eu</a:t>
-            </a:r>
-            <a:endParaRPr lang="nl-NL" dirty="0" smtClean="0"/>
-          </a:p>
-          <a:p>
-            <a:r>
-              <a:rPr lang="nl-NL" dirty="0" smtClean="0"/>
-              <a:t>Demonstratie</a:t>
-            </a:r>
-            <a:endParaRPr lang="nl-NL" dirty="0"/>
+              <a:rPr lang="nl-NL" dirty="0"/>
+              <a:t>Eerste gesprek: skype-gesprek</a:t>
+            </a:r>
+          </a:p>
+          <a:p>
+            <a:r>
+              <a:rPr lang="nl-NL" dirty="0"/>
+              <a:t>Mailing, ging niet altijd even vlot, vooral  technische dienst puurs</a:t>
+            </a:r>
+          </a:p>
+          <a:p>
+            <a:r>
+              <a:rPr lang="nl-NL" dirty="0"/>
+              <a:t>Tussentijds skypegesprek om vooruitgang te bespreken</a:t>
+            </a:r>
+          </a:p>
+          <a:p>
+            <a:r>
+              <a:rPr lang="nl-NL" dirty="0"/>
+              <a:t>Mailing</a:t>
+            </a:r>
+          </a:p>
+          <a:p>
+            <a:r>
+              <a:rPr lang="nl-NL" dirty="0"/>
+              <a:t>Nog te verwachten: Een afrondend skype-gesprek, helaas heeft de klant het wat druk</a:t>
+            </a:r>
           </a:p>
         </p:txBody>
       </p:sp>
     </p:spTree>
     <p:extLst>
       <p:ext uri="{BB962C8B-B14F-4D97-AF65-F5344CB8AC3E}">
-        <p14:creationId xmlns:p14="http://schemas.microsoft.com/office/powerpoint/2010/main" val="56263346"/>
+        <p14:creationId xmlns:p14="http://schemas.microsoft.com/office/powerpoint/2010/main" val="1387002575"/>
       </p:ext>
     </p:extLst>
   </p:cSld>
@@ -6099,36 +6163,45 @@
           <a:lstStyle/>
           <a:p>
             <a:r>
-              <a:rPr lang="nl-NL" dirty="0" smtClean="0"/>
-              <a:t>Reflectie</a:t>
+              <a:rPr lang="nl-NL" dirty="0"/>
+              <a:t>Gerealiseerde oplossing</a:t>
+            </a:r>
+          </a:p>
+        </p:txBody>
+      </p:sp>
+      <p:sp>
+        <p:nvSpPr>
+          <p:cNvPr id="3" name="Tijdelijke aanduiding voor inhoud 2"/>
+          <p:cNvSpPr>
+            <a:spLocks noGrp="1"/>
+          </p:cNvSpPr>
+          <p:nvPr>
+            <p:ph idx="1"/>
+          </p:nvPr>
+        </p:nvSpPr>
+        <p:spPr/>
+        <p:txBody>
+          <a:bodyPr/>
+          <a:lstStyle/>
+          <a:p>
+            <a:r>
+              <a:rPr lang="nl-NL" dirty="0" err="1"/>
+              <a:t>Verkeersquiz.eu</a:t>
             </a:r>
             <a:endParaRPr lang="nl-NL" dirty="0"/>
           </a:p>
-        </p:txBody>
-      </p:sp>
-      <p:sp>
-        <p:nvSpPr>
-          <p:cNvPr id="3" name="Tijdelijke aanduiding voor inhoud 2"/>
-          <p:cNvSpPr>
-            <a:spLocks noGrp="1"/>
-          </p:cNvSpPr>
-          <p:nvPr>
-            <p:ph idx="1"/>
-          </p:nvPr>
-        </p:nvSpPr>
-        <p:spPr/>
-        <p:txBody>
-          <a:bodyPr/>
-          <a:lstStyle/>
-          <a:p>
-            <a:endParaRPr lang="nl-NL"/>
+          <a:p>
+            <a:r>
+              <a:rPr lang="nl-NL" dirty="0"/>
+              <a:t>Demonstratie</a:t>
+            </a:r>
           </a:p>
         </p:txBody>
       </p:sp>
     </p:spTree>
     <p:extLst>
       <p:ext uri="{BB962C8B-B14F-4D97-AF65-F5344CB8AC3E}">
-        <p14:creationId xmlns:p14="http://schemas.microsoft.com/office/powerpoint/2010/main" val="560727202"/>
+        <p14:creationId xmlns:p14="http://schemas.microsoft.com/office/powerpoint/2010/main" val="56263346"/>
       </p:ext>
     </p:extLst>
   </p:cSld>

--- a/extra/presentatie-Puurs.pptx
+++ b/extra/presentatie-Puurs.pptx
@@ -220,7 +220,7 @@
           <a:effectLst/>
           <a:extLst>
             <a:ext uri="{91240B29-F687-4f45-9708-019B960494DF}">
-              <a14:hiddenLine xmlns="" xmlns:a14="http://schemas.microsoft.com/office/drawing/2010/main" w="9525">
+              <a14:hiddenLine xmlns:a14="http://schemas.microsoft.com/office/drawing/2010/main" xmlns="" w="9525">
                 <a:solidFill>
                   <a:srgbClr val="000000"/>
                 </a:solidFill>
@@ -413,7 +413,7 @@
             <a:fld id="{08B9EBBA-996F-894A-B54A-D6246ED52CEA}" type="datetimeFigureOut">
               <a:rPr lang="en-US" dirty="0"/>
               <a:pPr/>
-              <a:t>1/26/2018</a:t>
+              <a:t>1/26/18</a:t>
             </a:fld>
             <a:endParaRPr lang="en-US" dirty="0"/>
           </a:p>
@@ -728,7 +728,7 @@
             <a:fld id="{18C79C5D-2A6F-F04D-97DA-BEF2467B64E4}" type="datetimeFigureOut">
               <a:rPr lang="en-US" dirty="0"/>
               <a:pPr/>
-              <a:t>1/26/2018</a:t>
+              <a:t>1/26/18</a:t>
             </a:fld>
             <a:endParaRPr lang="en-US" dirty="0"/>
           </a:p>
@@ -1213,7 +1213,7 @@
             <a:fld id="{8DFA1846-DA80-1C48-A609-854EA85C59AD}" type="datetimeFigureOut">
               <a:rPr lang="en-US" dirty="0"/>
               <a:pPr/>
-              <a:t>1/26/2018</a:t>
+              <a:t>1/26/18</a:t>
             </a:fld>
             <a:endParaRPr lang="en-US" dirty="0"/>
           </a:p>
@@ -1579,7 +1579,7 @@
             <a:fld id="{FBF54567-0DE4-3F47-BF90-CB84690072F9}" type="datetimeFigureOut">
               <a:rPr lang="en-US" dirty="0"/>
               <a:pPr/>
-              <a:t>1/26/2018</a:t>
+              <a:t>1/26/18</a:t>
             </a:fld>
             <a:endParaRPr lang="en-US" dirty="0"/>
           </a:p>
@@ -1730,7 +1730,7 @@
           <a:ln/>
           <a:extLst>
             <a:ext uri="{91240B29-F687-4f45-9708-019B960494DF}">
-              <a14:hiddenLine xmlns="" xmlns:a14="http://schemas.microsoft.com/office/drawing/2010/main" w="9525">
+              <a14:hiddenLine xmlns:a14="http://schemas.microsoft.com/office/drawing/2010/main" xmlns="" w="9525">
                 <a:solidFill>
                   <a:srgbClr val="000000"/>
                 </a:solidFill>
@@ -1849,7 +1849,7 @@
             <a:fld id="{C6C52C72-DE31-F449-A4ED-4C594FD91407}" type="datetimeFigureOut">
               <a:rPr lang="en-US" dirty="0"/>
               <a:pPr/>
-              <a:t>1/26/2018</a:t>
+              <a:t>1/26/18</a:t>
             </a:fld>
             <a:endParaRPr lang="en-US" dirty="0"/>
           </a:p>
@@ -2002,7 +2002,7 @@
           <a:ln/>
           <a:extLst>
             <a:ext uri="{91240B29-F687-4f45-9708-019B960494DF}">
-              <a14:hiddenLine xmlns="" xmlns:a14="http://schemas.microsoft.com/office/drawing/2010/main" w="9525">
+              <a14:hiddenLine xmlns:a14="http://schemas.microsoft.com/office/drawing/2010/main" xmlns="" w="9525">
                 <a:solidFill>
                   <a:srgbClr val="000000"/>
                 </a:solidFill>
@@ -2131,7 +2131,7 @@
             <a:fld id="{ED62726E-379B-B349-9EED-81ED093FA806}" type="datetimeFigureOut">
               <a:rPr lang="en-US" dirty="0"/>
               <a:pPr/>
-              <a:t>1/26/2018</a:t>
+              <a:t>1/26/18</a:t>
             </a:fld>
             <a:endParaRPr lang="en-US" dirty="0"/>
           </a:p>
@@ -2282,7 +2282,7 @@
           <a:ln/>
           <a:extLst>
             <a:ext uri="{91240B29-F687-4f45-9708-019B960494DF}">
-              <a14:hiddenLine xmlns="" xmlns:a14="http://schemas.microsoft.com/office/drawing/2010/main" w="9525">
+              <a14:hiddenLine xmlns:a14="http://schemas.microsoft.com/office/drawing/2010/main" xmlns="" w="9525">
                 <a:solidFill>
                   <a:srgbClr val="000000"/>
                 </a:solidFill>
@@ -2411,7 +2411,7 @@
             <a:fld id="{9B3A1323-8D79-1946-B0D7-40001CF92E9D}" type="datetimeFigureOut">
               <a:rPr lang="en-US" dirty="0"/>
               <a:pPr/>
-              <a:t>1/26/2018</a:t>
+              <a:t>1/26/18</a:t>
             </a:fld>
             <a:endParaRPr lang="en-US" dirty="0"/>
           </a:p>
@@ -2751,7 +2751,7 @@
             <a:fld id="{8DFA1846-DA80-1C48-A609-854EA85C59AD}" type="datetimeFigureOut">
               <a:rPr lang="en-US" dirty="0"/>
               <a:pPr/>
-              <a:t>1/26/2018</a:t>
+              <a:t>1/26/18</a:t>
             </a:fld>
             <a:endParaRPr lang="en-US" dirty="0"/>
           </a:p>
@@ -2902,7 +2902,7 @@
           <a:ln/>
           <a:extLst>
             <a:ext uri="{91240B29-F687-4f45-9708-019B960494DF}">
-              <a14:hiddenLine xmlns="" xmlns:a14="http://schemas.microsoft.com/office/drawing/2010/main" w="9525">
+              <a14:hiddenLine xmlns:a14="http://schemas.microsoft.com/office/drawing/2010/main" xmlns="" w="9525">
                 <a:solidFill>
                   <a:srgbClr val="000000"/>
                 </a:solidFill>
@@ -3087,7 +3087,7 @@
             <a:fld id="{57302355-E14B-8545-A8F8-0FE83CC9D524}" type="datetimeFigureOut">
               <a:rPr lang="en-US" dirty="0"/>
               <a:pPr/>
-              <a:t>1/26/2018</a:t>
+              <a:t>1/26/18</a:t>
             </a:fld>
             <a:endParaRPr lang="en-US" dirty="0"/>
           </a:p>
@@ -3238,7 +3238,7 @@
           <a:ln/>
           <a:extLst>
             <a:ext uri="{91240B29-F687-4f45-9708-019B960494DF}">
-              <a14:hiddenLine xmlns="" xmlns:a14="http://schemas.microsoft.com/office/drawing/2010/main" w="9525">
+              <a14:hiddenLine xmlns:a14="http://schemas.microsoft.com/office/drawing/2010/main" xmlns="" w="9525">
                 <a:solidFill>
                   <a:srgbClr val="000000"/>
                 </a:solidFill>
@@ -3561,7 +3561,7 @@
             <a:fld id="{02640F58-564D-2B4F-AE67-E407BA4FCF45}" type="datetimeFigureOut">
               <a:rPr lang="en-US" dirty="0"/>
               <a:pPr/>
-              <a:t>1/26/2018</a:t>
+              <a:t>1/26/18</a:t>
             </a:fld>
             <a:endParaRPr lang="en-US" dirty="0"/>
           </a:p>
@@ -3712,7 +3712,7 @@
           <a:ln/>
           <a:extLst>
             <a:ext uri="{91240B29-F687-4f45-9708-019B960494DF}">
-              <a14:hiddenLine xmlns="" xmlns:a14="http://schemas.microsoft.com/office/drawing/2010/main" w="9525">
+              <a14:hiddenLine xmlns:a14="http://schemas.microsoft.com/office/drawing/2010/main" xmlns="" w="9525">
                 <a:solidFill>
                   <a:srgbClr val="000000"/>
                 </a:solidFill>
@@ -3779,7 +3779,7 @@
             <a:fld id="{F13A34C8-038E-2045-AF43-DF7DBB8E0E9E}" type="datetimeFigureOut">
               <a:rPr lang="en-US" dirty="0"/>
               <a:pPr/>
-              <a:t>1/26/2018</a:t>
+              <a:t>1/26/18</a:t>
             </a:fld>
             <a:endParaRPr lang="en-US" dirty="0"/>
           </a:p>
@@ -3871,7 +3871,7 @@
             <a:fld id="{8818C68F-D26B-8F47-958C-23B49CF8A634}" type="datetimeFigureOut">
               <a:rPr lang="en-US" dirty="0"/>
               <a:pPr/>
-              <a:t>1/26/2018</a:t>
+              <a:t>1/26/18</a:t>
             </a:fld>
             <a:endParaRPr lang="en-US" dirty="0"/>
           </a:p>
@@ -4135,7 +4135,7 @@
           <a:ln/>
           <a:extLst>
             <a:ext uri="{91240B29-F687-4f45-9708-019B960494DF}">
-              <a14:hiddenLine xmlns="" xmlns:a14="http://schemas.microsoft.com/office/drawing/2010/main" w="9525">
+              <a14:hiddenLine xmlns:a14="http://schemas.microsoft.com/office/drawing/2010/main" xmlns="" w="9525">
                 <a:solidFill>
                   <a:srgbClr val="000000"/>
                 </a:solidFill>
@@ -4335,7 +4335,7 @@
             <a:fld id="{D0DF5E60-9974-AC48-9591-99C2BB44B7CF}" type="datetimeFigureOut">
               <a:rPr lang="en-US" dirty="0"/>
               <a:pPr/>
-              <a:t>1/26/2018</a:t>
+              <a:t>1/26/18</a:t>
             </a:fld>
             <a:endParaRPr lang="en-US" dirty="0"/>
           </a:p>
@@ -4645,7 +4645,7 @@
             <a:fld id="{18C79C5D-2A6F-F04D-97DA-BEF2467B64E4}" type="datetimeFigureOut">
               <a:rPr lang="en-US" dirty="0"/>
               <a:pPr/>
-              <a:t>1/26/2018</a:t>
+              <a:t>1/26/18</a:t>
             </a:fld>
             <a:endParaRPr lang="en-US" dirty="0"/>
           </a:p>
@@ -4912,7 +4912,7 @@
             <a:fld id="{09B482E8-6E0E-1B4F-B1FD-C69DB9E858D9}" type="datetimeFigureOut">
               <a:rPr lang="en-US" dirty="0"/>
               <a:pPr/>
-              <a:t>1/26/2018</a:t>
+              <a:t>1/26/18</a:t>
             </a:fld>
             <a:endParaRPr lang="en-US" dirty="0"/>
           </a:p>
@@ -5474,6 +5474,37 @@
           <a:bodyPr/>
           <a:lstStyle/>
           <a:p>
+            <a:r>
+              <a:rPr lang="nl-NL" dirty="0" smtClean="0"/>
+              <a:t>Ontwerp </a:t>
+            </a:r>
+            <a:r>
+              <a:rPr lang="nl-NL" dirty="0" err="1" smtClean="0"/>
+              <a:t>adminpanel</a:t>
+            </a:r>
+            <a:endParaRPr lang="nl-NL" dirty="0" smtClean="0"/>
+          </a:p>
+          <a:p>
+            <a:r>
+              <a:rPr lang="nl-NL" dirty="0" smtClean="0"/>
+              <a:t>Ontwerp quiz</a:t>
+            </a:r>
+          </a:p>
+          <a:p>
+            <a:r>
+              <a:rPr lang="nl-NL" dirty="0" smtClean="0"/>
+              <a:t>Communicatie</a:t>
+            </a:r>
+          </a:p>
+          <a:p>
+            <a:r>
+              <a:rPr lang="nl-NL" dirty="0" smtClean="0"/>
+              <a:t>Eerder </a:t>
+            </a:r>
+            <a:r>
+              <a:rPr lang="nl-NL" smtClean="0"/>
+              <a:t>Refactoren</a:t>
+            </a:r>
             <a:endParaRPr lang="nl-NL"/>
           </a:p>
         </p:txBody>
@@ -5689,7 +5720,7 @@
           <p:cNvPr id="2" name="Titel 1">
             <a:extLst>
               <a:ext uri="{FF2B5EF4-FFF2-40B4-BE49-F238E27FC236}">
-                <a16:creationId xmlns:a16="http://schemas.microsoft.com/office/drawing/2014/main" id="{D9C529F2-A8F6-457A-B964-442067766E38}"/>
+                <a16:creationId xmlns:a16="http://schemas.microsoft.com/office/drawing/2014/main" xmlns="" id="{D9C529F2-A8F6-457A-B964-442067766E38}"/>
               </a:ext>
             </a:extLst>
           </p:cNvPr>
@@ -5717,7 +5748,7 @@
           <p:cNvPr id="3" name="Tijdelijke aanduiding voor inhoud 2">
             <a:extLst>
               <a:ext uri="{FF2B5EF4-FFF2-40B4-BE49-F238E27FC236}">
-                <a16:creationId xmlns:a16="http://schemas.microsoft.com/office/drawing/2014/main" id="{F74B763A-5132-45BE-A2B0-2952AB3DCFF6}"/>
+                <a16:creationId xmlns:a16="http://schemas.microsoft.com/office/drawing/2014/main" xmlns="" id="{F74B763A-5132-45BE-A2B0-2952AB3DCFF6}"/>
               </a:ext>
             </a:extLst>
           </p:cNvPr>
